--- a/wp/ppts/JavaScript Notes and Exercises.pptx
+++ b/wp/ppts/JavaScript Notes and Exercises.pptx
@@ -125,6 +125,8 @@
 <file path=ppt/revisionInfo.xml><?xml version="1.0" encoding="utf-8"?>
 <p1510:revInfo xmlns:a="http://schemas.openxmlformats.org/drawingml/2006/main" xmlns:r="http://schemas.openxmlformats.org/officeDocument/2006/relationships" xmlns:p1510="http://schemas.microsoft.com/office/powerpoint/2015/10/main">
   <p1510:revLst>
+    <p1510:client id="{4E1AB116-4CC1-40F6-A015-8ADC9202F1AC}" v="8" dt="2020-11-01T07:11:36.108"/>
+    <p1510:client id="{D5594B11-F5AE-4B19-B10C-C1101B7F4F17}" v="2" dt="2020-08-20T21:09:18.191"/>
     <p1510:client id="{EAAE9767-C6FF-45FA-A248-9DC580236BA9}" v="6" dt="2020-08-07T08:27:08.963"/>
   </p1510:revLst>
 </p1510:revInfo>
@@ -147,6 +149,46 @@
         </pc:sldMkLst>
         <pc:graphicFrameChg chg="modGraphic">
           <ac:chgData name="MUSKAAN BERIWAL" userId="S::muskaan.beriwal@svkmmumbai.onmicrosoft.com::71c27ed0-026d-4c41-858f-c0cc419fa990" providerId="AD" clId="Web-{EAAE9767-C6FF-45FA-A248-9DC580236BA9}" dt="2020-08-07T08:26:56.494" v="0"/>
+          <ac:graphicFrameMkLst>
+            <pc:docMk/>
+            <pc:sldMk cId="2931656429" sldId="260"/>
+            <ac:graphicFrameMk id="4" creationId="{00000000-0000-0000-0000-000000000000}"/>
+          </ac:graphicFrameMkLst>
+        </pc:graphicFrameChg>
+      </pc:sldChg>
+    </pc:docChg>
+  </pc:docChgLst>
+  <pc:docChgLst>
+    <pc:chgData name="MUSKAAN BERIWAL" userId="S::muskaan.beriwal@svkmmumbai.onmicrosoft.com::71c27ed0-026d-4c41-858f-c0cc419fa990" providerId="AD" clId="Web-{D5594B11-F5AE-4B19-B10C-C1101B7F4F17}"/>
+    <pc:docChg chg="addSld delSld">
+      <pc:chgData name="MUSKAAN BERIWAL" userId="S::muskaan.beriwal@svkmmumbai.onmicrosoft.com::71c27ed0-026d-4c41-858f-c0cc419fa990" providerId="AD" clId="Web-{D5594B11-F5AE-4B19-B10C-C1101B7F4F17}" dt="2020-08-20T21:09:18.191" v="1"/>
+      <pc:docMkLst>
+        <pc:docMk/>
+      </pc:docMkLst>
+      <pc:sldChg chg="new del">
+        <pc:chgData name="MUSKAAN BERIWAL" userId="S::muskaan.beriwal@svkmmumbai.onmicrosoft.com::71c27ed0-026d-4c41-858f-c0cc419fa990" providerId="AD" clId="Web-{D5594B11-F5AE-4B19-B10C-C1101B7F4F17}" dt="2020-08-20T21:09:18.191" v="1"/>
+        <pc:sldMkLst>
+          <pc:docMk/>
+          <pc:sldMk cId="1635579685" sldId="267"/>
+        </pc:sldMkLst>
+      </pc:sldChg>
+    </pc:docChg>
+  </pc:docChgLst>
+  <pc:docChgLst>
+    <pc:chgData name="KSHITIJ CHAVAN - 70021018021" userId="S::kshitij.chavan@svkmmumbai.onmicrosoft.com::1a9cb076-c6e8-49ad-9fa2-26b6d534538f" providerId="AD" clId="Web-{4E1AB116-4CC1-40F6-A015-8ADC9202F1AC}"/>
+    <pc:docChg chg="modSld">
+      <pc:chgData name="KSHITIJ CHAVAN - 70021018021" userId="S::kshitij.chavan@svkmmumbai.onmicrosoft.com::1a9cb076-c6e8-49ad-9fa2-26b6d534538f" providerId="AD" clId="Web-{4E1AB116-4CC1-40F6-A015-8ADC9202F1AC}" dt="2020-11-01T07:10:33.451" v="1"/>
+      <pc:docMkLst>
+        <pc:docMk/>
+      </pc:docMkLst>
+      <pc:sldChg chg="modSp">
+        <pc:chgData name="KSHITIJ CHAVAN - 70021018021" userId="S::kshitij.chavan@svkmmumbai.onmicrosoft.com::1a9cb076-c6e8-49ad-9fa2-26b6d534538f" providerId="AD" clId="Web-{4E1AB116-4CC1-40F6-A015-8ADC9202F1AC}" dt="2020-11-01T07:10:33.451" v="1"/>
+        <pc:sldMkLst>
+          <pc:docMk/>
+          <pc:sldMk cId="2931656429" sldId="260"/>
+        </pc:sldMkLst>
+        <pc:graphicFrameChg chg="mod modGraphic">
+          <ac:chgData name="KSHITIJ CHAVAN - 70021018021" userId="S::kshitij.chavan@svkmmumbai.onmicrosoft.com::1a9cb076-c6e8-49ad-9fa2-26b6d534538f" providerId="AD" clId="Web-{4E1AB116-4CC1-40F6-A015-8ADC9202F1AC}" dt="2020-11-01T07:10:33.451" v="1"/>
           <ac:graphicFrameMkLst>
             <pc:docMk/>
             <pc:sldMk cId="2931656429" sldId="260"/>
@@ -288,7 +330,7 @@
           <a:p>
             <a:fld id="{C337B1E5-D079-4C09-BABC-5FFF016D211C}" type="datetimeFigureOut">
               <a:rPr lang="en-US" smtClean="0"/>
-              <a:t>8/7/2020</a:t>
+              <a:t>11/1/2020</a:t>
             </a:fld>
             <a:endParaRPr lang="en-US"/>
           </a:p>
@@ -456,7 +498,7 @@
           <a:p>
             <a:fld id="{C337B1E5-D079-4C09-BABC-5FFF016D211C}" type="datetimeFigureOut">
               <a:rPr lang="en-US" smtClean="0"/>
-              <a:t>8/7/2020</a:t>
+              <a:t>11/1/2020</a:t>
             </a:fld>
             <a:endParaRPr lang="en-US"/>
           </a:p>
@@ -634,7 +676,7 @@
           <a:p>
             <a:fld id="{C337B1E5-D079-4C09-BABC-5FFF016D211C}" type="datetimeFigureOut">
               <a:rPr lang="en-US" smtClean="0"/>
-              <a:t>8/7/2020</a:t>
+              <a:t>11/1/2020</a:t>
             </a:fld>
             <a:endParaRPr lang="en-US"/>
           </a:p>
@@ -802,7 +844,7 @@
           <a:p>
             <a:fld id="{C337B1E5-D079-4C09-BABC-5FFF016D211C}" type="datetimeFigureOut">
               <a:rPr lang="en-US" smtClean="0"/>
-              <a:t>8/7/2020</a:t>
+              <a:t>11/1/2020</a:t>
             </a:fld>
             <a:endParaRPr lang="en-US"/>
           </a:p>
@@ -1047,7 +1089,7 @@
           <a:p>
             <a:fld id="{C337B1E5-D079-4C09-BABC-5FFF016D211C}" type="datetimeFigureOut">
               <a:rPr lang="en-US" smtClean="0"/>
-              <a:t>8/7/2020</a:t>
+              <a:t>11/1/2020</a:t>
             </a:fld>
             <a:endParaRPr lang="en-US"/>
           </a:p>
@@ -1276,7 +1318,7 @@
           <a:p>
             <a:fld id="{C337B1E5-D079-4C09-BABC-5FFF016D211C}" type="datetimeFigureOut">
               <a:rPr lang="en-US" smtClean="0"/>
-              <a:t>8/7/2020</a:t>
+              <a:t>11/1/2020</a:t>
             </a:fld>
             <a:endParaRPr lang="en-US"/>
           </a:p>
@@ -1640,7 +1682,7 @@
           <a:p>
             <a:fld id="{C337B1E5-D079-4C09-BABC-5FFF016D211C}" type="datetimeFigureOut">
               <a:rPr lang="en-US" smtClean="0"/>
-              <a:t>8/7/2020</a:t>
+              <a:t>11/1/2020</a:t>
             </a:fld>
             <a:endParaRPr lang="en-US"/>
           </a:p>
@@ -1757,7 +1799,7 @@
           <a:p>
             <a:fld id="{C337B1E5-D079-4C09-BABC-5FFF016D211C}" type="datetimeFigureOut">
               <a:rPr lang="en-US" smtClean="0"/>
-              <a:t>8/7/2020</a:t>
+              <a:t>11/1/2020</a:t>
             </a:fld>
             <a:endParaRPr lang="en-US"/>
           </a:p>
@@ -1852,7 +1894,7 @@
           <a:p>
             <a:fld id="{C337B1E5-D079-4C09-BABC-5FFF016D211C}" type="datetimeFigureOut">
               <a:rPr lang="en-US" smtClean="0"/>
-              <a:t>8/7/2020</a:t>
+              <a:t>11/1/2020</a:t>
             </a:fld>
             <a:endParaRPr lang="en-US"/>
           </a:p>
@@ -2127,7 +2169,7 @@
           <a:p>
             <a:fld id="{C337B1E5-D079-4C09-BABC-5FFF016D211C}" type="datetimeFigureOut">
               <a:rPr lang="en-US" smtClean="0"/>
-              <a:t>8/7/2020</a:t>
+              <a:t>11/1/2020</a:t>
             </a:fld>
             <a:endParaRPr lang="en-US"/>
           </a:p>
@@ -2379,7 +2421,7 @@
           <a:p>
             <a:fld id="{C337B1E5-D079-4C09-BABC-5FFF016D211C}" type="datetimeFigureOut">
               <a:rPr lang="en-US" smtClean="0"/>
-              <a:t>8/7/2020</a:t>
+              <a:t>11/1/2020</a:t>
             </a:fld>
             <a:endParaRPr lang="en-US"/>
           </a:p>
@@ -2590,7 +2632,7 @@
           <a:p>
             <a:fld id="{C337B1E5-D079-4C09-BABC-5FFF016D211C}" type="datetimeFigureOut">
               <a:rPr lang="en-US" smtClean="0"/>
-              <a:t>8/7/2020</a:t>
+              <a:t>11/1/2020</a:t>
             </a:fld>
             <a:endParaRPr lang="en-US"/>
           </a:p>
@@ -4996,13 +5038,13 @@
             <p:ph idx="1"/>
             <p:extLst>
               <p:ext uri="{D42A27DB-BD31-4B8C-83A1-F6EECF244321}">
-                <p14:modId xmlns:p14="http://schemas.microsoft.com/office/powerpoint/2010/main" val="1478958993"/>
+                <p14:modId xmlns:p14="http://schemas.microsoft.com/office/powerpoint/2010/main" val="996710260"/>
               </p:ext>
             </p:extLst>
           </p:nvPr>
         </p:nvGraphicFramePr>
         <p:xfrm>
-          <a:off x="147082" y="589444"/>
+          <a:off x="143933" y="592666"/>
           <a:ext cx="11495567" cy="6268556"/>
         </p:xfrm>
         <a:graphic>
@@ -5055,7 +5097,7 @@
                     <a:lstStyle/>
                     <a:p>
                       <a:r>
-                        <a:rPr lang="en-US"/>
+                        <a:rPr lang="en-US" dirty="0"/>
                         <a:t>Output??</a:t>
                       </a:r>
                     </a:p>
@@ -5064,25 +5106,25 @@
                     </a:p>
                     <a:p>
                       <a:r>
-                        <a:rPr lang="en-US"/>
+                        <a:rPr lang="en-US" dirty="0"/>
                         <a:t>&lt;html&gt;</a:t>
                       </a:r>
                     </a:p>
                     <a:p>
                       <a:r>
-                        <a:rPr lang="en-US"/>
+                        <a:rPr lang="en-US" dirty="0"/>
                         <a:t>&lt;body&gt;</a:t>
                       </a:r>
                     </a:p>
                     <a:p>
                       <a:r>
-                        <a:rPr lang="en-US"/>
-                        <a:t>&lt;script&gt;  </a:t>
-                      </a:r>
-                    </a:p>
-                    <a:p>
-                      <a:r>
-                        <a:rPr lang="en-US">
+                        <a:rPr lang="en-US" dirty="0"/>
+                        <a:t>&lt;script&gt;  </a:t>
+                      </a:r>
+                    </a:p>
+                    <a:p>
+                      <a:r>
+                        <a:rPr lang="en-US" dirty="0">
                           <a:solidFill>
                             <a:schemeClr val="accent2"/>
                           </a:solidFill>
@@ -5092,35 +5134,27 @@
                     </a:p>
                     <a:p>
                       <a:r>
-                        <a:rPr lang="en-US">
+                        <a:rPr lang="en-US" dirty="0">
                           <a:solidFill>
                             <a:schemeClr val="accent2"/>
                           </a:solidFill>
                         </a:rPr>
-                        <a:t>{  </a:t>
-                      </a:r>
-                    </a:p>
-                    <a:p>
-                      <a:r>
-                        <a:rPr lang="en-US" err="1">
+                        <a:t>{  </a:t>
+                      </a:r>
+                    </a:p>
+                    <a:p>
+                      <a:r>
+                        <a:rPr lang="en-US" dirty="0">
                           <a:solidFill>
                             <a:schemeClr val="accent2"/>
                           </a:solidFill>
                         </a:rPr>
-                        <a:t>var</a:t>
-                      </a:r>
-                      <a:r>
-                        <a:rPr lang="en-US">
-                          <a:solidFill>
-                            <a:schemeClr val="accent2"/>
-                          </a:solidFill>
-                        </a:rPr>
-                        <a:t> x=50;</a:t>
-                      </a:r>
-                    </a:p>
-                    <a:p>
-                      <a:r>
-                        <a:rPr lang="en-US">
+                        <a:t>var x=50;</a:t>
+                      </a:r>
+                    </a:p>
+                    <a:p>
+                      <a:r>
+                        <a:rPr lang="en-US" dirty="0">
                           <a:solidFill>
                             <a:schemeClr val="accent2"/>
                           </a:solidFill>
@@ -5128,7 +5162,7 @@
                         <a:t>console.log("</a:t>
                       </a:r>
                       <a:r>
-                        <a:rPr lang="en-US" err="1">
+                        <a:rPr lang="en-US" dirty="0" err="1">
                           <a:solidFill>
                             <a:schemeClr val="accent2"/>
                           </a:solidFill>
@@ -5136,7 +5170,7 @@
                         <a:t>func</a:t>
                       </a:r>
                       <a:r>
-                        <a:rPr lang="en-US">
+                        <a:rPr lang="en-US" dirty="0">
                           <a:solidFill>
                             <a:schemeClr val="accent2"/>
                           </a:solidFill>
@@ -5144,7 +5178,7 @@
                         <a:t> </a:t>
                       </a:r>
                       <a:r>
-                        <a:rPr lang="en-US" err="1">
+                        <a:rPr lang="en-US" dirty="0" err="1">
                           <a:solidFill>
                             <a:schemeClr val="accent2"/>
                           </a:solidFill>
@@ -5152,7 +5186,7 @@
                         <a:t>a"+x</a:t>
                       </a:r>
                       <a:r>
-                        <a:rPr lang="en-US">
+                        <a:rPr lang="en-US" dirty="0">
                           <a:solidFill>
                             <a:schemeClr val="accent2"/>
                           </a:solidFill>
@@ -5162,12 +5196,12 @@
                     </a:p>
                     <a:p>
                       <a:r>
-                        <a:rPr lang="en-US">
+                        <a:rPr lang="en-US" dirty="0">
                           <a:solidFill>
                             <a:schemeClr val="accent2"/>
                           </a:solidFill>
                         </a:rPr>
-                        <a:t>}  </a:t>
+                        <a:t>}  </a:t>
                       </a:r>
                     </a:p>
                     <a:p>
@@ -5179,7 +5213,7 @@
                     </a:p>
                     <a:p>
                       <a:r>
-                        <a:rPr lang="en-US"/>
+                        <a:rPr lang="en-US" dirty="0"/>
                         <a:t>console.log(x);</a:t>
                       </a:r>
                     </a:p>
@@ -5195,7 +5229,7 @@
                     <a:lstStyle/>
                     <a:p>
                       <a:r>
-                        <a:rPr lang="en-US"/>
+                        <a:rPr lang="en-US" dirty="0"/>
                         <a:t>Output??</a:t>
                       </a:r>
                     </a:p>
@@ -5204,43 +5238,43 @@
                     </a:p>
                     <a:p>
                       <a:r>
-                        <a:rPr lang="en-US"/>
+                        <a:rPr lang="en-US" dirty="0"/>
                         <a:t>for(let </a:t>
                       </a:r>
                       <a:r>
-                        <a:rPr lang="en-US" err="1"/>
+                        <a:rPr lang="en-US" dirty="0" err="1"/>
                         <a:t>i</a:t>
                       </a:r>
                       <a:r>
-                        <a:rPr lang="en-US"/>
+                        <a:rPr lang="en-US" dirty="0"/>
                         <a:t>=0;i&lt;2;i++)</a:t>
                       </a:r>
                     </a:p>
                     <a:p>
                       <a:r>
-                        <a:rPr lang="en-US"/>
+                        <a:rPr lang="en-US" dirty="0"/>
                         <a:t>	console.log(</a:t>
                       </a:r>
                       <a:r>
-                        <a:rPr lang="en-US" err="1"/>
+                        <a:rPr lang="en-US" dirty="0" err="1"/>
                         <a:t>i</a:t>
                       </a:r>
                       <a:r>
-                        <a:rPr lang="en-US"/>
+                        <a:rPr lang="en-US" dirty="0"/>
                         <a:t>);	</a:t>
                       </a:r>
                     </a:p>
                     <a:p>
                       <a:r>
-                        <a:rPr lang="en-US"/>
+                        <a:rPr lang="en-US" dirty="0"/>
                         <a:t>console.log(</a:t>
                       </a:r>
                       <a:r>
-                        <a:rPr lang="en-US" err="1"/>
+                        <a:rPr lang="en-US" dirty="0" err="1"/>
                         <a:t>i</a:t>
                       </a:r>
                       <a:r>
-                        <a:rPr lang="en-US"/>
+                        <a:rPr lang="en-US" dirty="0"/>
                         <a:t>);</a:t>
                       </a:r>
                     </a:p>
@@ -5252,51 +5286,43 @@
                     </a:p>
                     <a:p>
                       <a:r>
-                        <a:rPr lang="en-US"/>
-                        <a:t>for(</a:t>
-                      </a:r>
-                      <a:r>
-                        <a:rPr lang="en-US" err="1"/>
-                        <a:t>var</a:t>
-                      </a:r>
-                      <a:r>
-                        <a:rPr lang="en-US"/>
-                        <a:t> </a:t>
-                      </a:r>
-                      <a:r>
-                        <a:rPr lang="en-US" err="1"/>
+                        <a:rPr lang="en-US" dirty="0"/>
+                        <a:t>for(var </a:t>
+                      </a:r>
+                      <a:r>
+                        <a:rPr lang="en-US" dirty="0" err="1"/>
                         <a:t>i</a:t>
                       </a:r>
                       <a:r>
-                        <a:rPr lang="en-US"/>
+                        <a:rPr lang="en-US" dirty="0"/>
                         <a:t>=0;i&lt;2;i++)</a:t>
                       </a:r>
                     </a:p>
                     <a:p>
                       <a:r>
-                        <a:rPr lang="en-US"/>
+                        <a:rPr lang="en-US" dirty="0"/>
                         <a:t>	console.log(</a:t>
                       </a:r>
                       <a:r>
-                        <a:rPr lang="en-US" err="1"/>
+                        <a:rPr lang="en-US" dirty="0" err="1"/>
                         <a:t>i</a:t>
                       </a:r>
                       <a:r>
-                        <a:rPr lang="en-US"/>
+                        <a:rPr lang="en-US" dirty="0"/>
                         <a:t>);	</a:t>
                       </a:r>
                     </a:p>
                     <a:p>
                       <a:r>
-                        <a:rPr lang="en-US"/>
+                        <a:rPr lang="en-US" dirty="0"/>
                         <a:t>console.log(</a:t>
                       </a:r>
                       <a:r>
-                        <a:rPr lang="en-US" err="1"/>
+                        <a:rPr lang="en-US" dirty="0" err="1"/>
                         <a:t>i</a:t>
                       </a:r>
                       <a:r>
-                        <a:rPr lang="en-US"/>
+                        <a:rPr lang="en-US" dirty="0"/>
                         <a:t>);</a:t>
                       </a:r>
                     </a:p>
@@ -5318,7 +5344,7 @@
                     <a:lstStyle/>
                     <a:p>
                       <a:r>
-                        <a:rPr lang="en-US"/>
+                        <a:rPr lang="en-US" dirty="0"/>
                         <a:t>Output??</a:t>
                       </a:r>
                     </a:p>
@@ -5327,28 +5353,32 @@
                     </a:p>
                     <a:p>
                       <a:r>
-                        <a:rPr lang="nn-NO"/>
-                        <a:t>const x=51;</a:t>
-                      </a:r>
-                    </a:p>
-                    <a:p>
-                      <a:r>
-                        <a:rPr lang="nn-NO"/>
+                        <a:rPr lang="nn-NO" dirty="0" err="1"/>
+                        <a:t>const</a:t>
+                      </a:r>
+                      <a:r>
+                        <a:rPr lang="nn-NO" dirty="0"/>
+                        <a:t> x=51;</a:t>
+                      </a:r>
+                    </a:p>
+                    <a:p>
+                      <a:r>
+                        <a:rPr lang="nn-NO" dirty="0"/>
                         <a:t>x=52;</a:t>
                       </a:r>
                     </a:p>
                     <a:p>
                       <a:r>
-                        <a:rPr lang="nn-NO"/>
+                        <a:rPr lang="nn-NO" dirty="0"/>
                         <a:t>x=x+1;</a:t>
                       </a:r>
                     </a:p>
                     <a:p>
                       <a:r>
-                        <a:rPr lang="nn-NO"/>
+                        <a:rPr lang="nn-NO" dirty="0"/>
                         <a:t>console.log(x);</a:t>
                       </a:r>
-                      <a:endParaRPr lang="en-US"/>
+                      <a:endParaRPr lang="en-US" dirty="0"/>
                     </a:p>
                   </a:txBody>
                   <a:tcPr/>
@@ -5359,7 +5389,7 @@
                     <a:lstStyle/>
                     <a:p>
                       <a:r>
-                        <a:rPr lang="en-US"/>
+                        <a:rPr lang="en-US" dirty="0"/>
                         <a:t>Output??</a:t>
                       </a:r>
                     </a:p>
@@ -5368,37 +5398,29 @@
                     </a:p>
                     <a:p>
                       <a:r>
-                        <a:rPr lang="en-US"/>
-                        <a:t>for(</a:t>
-                      </a:r>
-                      <a:r>
-                        <a:rPr lang="en-US" err="1"/>
-                        <a:t>const</a:t>
-                      </a:r>
-                      <a:r>
-                        <a:rPr lang="en-US"/>
-                        <a:t> </a:t>
-                      </a:r>
-                      <a:r>
-                        <a:rPr lang="en-US" err="1"/>
+                        <a:rPr lang="en-US" dirty="0"/>
+                        <a:t>for(const </a:t>
+                      </a:r>
+                      <a:r>
+                        <a:rPr lang="en-US" dirty="0" err="1"/>
                         <a:t>i</a:t>
                       </a:r>
                       <a:r>
-                        <a:rPr lang="en-US"/>
+                        <a:rPr lang="en-US" dirty="0"/>
                         <a:t>=0;i&lt;2;i++)</a:t>
                       </a:r>
                     </a:p>
                     <a:p>
                       <a:r>
-                        <a:rPr lang="en-US"/>
+                        <a:rPr lang="en-US" dirty="0"/>
                         <a:t>	console.log(</a:t>
                       </a:r>
                       <a:r>
-                        <a:rPr lang="en-US" err="1"/>
+                        <a:rPr lang="en-US" dirty="0" err="1"/>
                         <a:t>i</a:t>
                       </a:r>
                       <a:r>
-                        <a:rPr lang="en-US"/>
+                        <a:rPr lang="en-US" dirty="0"/>
                         <a:t>);</a:t>
                       </a:r>
                     </a:p>
@@ -5417,52 +5439,48 @@
                     </a:p>
                     <a:p>
                       <a:r>
-                        <a:rPr lang="en-US"/>
+                        <a:rPr lang="en-US" dirty="0"/>
                         <a:t>function a()</a:t>
                       </a:r>
                     </a:p>
                     <a:p>
                       <a:r>
-                        <a:rPr lang="en-US"/>
-                        <a:t>{  </a:t>
-                      </a:r>
-                    </a:p>
-                    <a:p>
-                      <a:r>
-                        <a:rPr lang="en-US" err="1"/>
-                        <a:t>var</a:t>
-                      </a:r>
-                      <a:r>
-                        <a:rPr lang="en-US"/>
-                        <a:t> x=50;</a:t>
-                      </a:r>
-                    </a:p>
-                    <a:p>
-                      <a:r>
-                        <a:rPr lang="en-US"/>
+                        <a:rPr lang="en-US" dirty="0"/>
+                        <a:t>{  </a:t>
+                      </a:r>
+                    </a:p>
+                    <a:p>
+                      <a:r>
+                        <a:rPr lang="en-US" dirty="0"/>
+                        <a:t>var x=50;</a:t>
+                      </a:r>
+                    </a:p>
+                    <a:p>
+                      <a:r>
+                        <a:rPr lang="en-US" dirty="0"/>
                         <a:t>console.log("</a:t>
                       </a:r>
                       <a:r>
-                        <a:rPr lang="en-US" err="1"/>
+                        <a:rPr lang="en-US" dirty="0" err="1"/>
                         <a:t>func</a:t>
                       </a:r>
                       <a:r>
-                        <a:rPr lang="en-US"/>
+                        <a:rPr lang="en-US" dirty="0"/>
                         <a:t> </a:t>
                       </a:r>
                       <a:r>
-                        <a:rPr lang="en-US" err="1"/>
+                        <a:rPr lang="en-US" dirty="0" err="1"/>
                         <a:t>a"+x</a:t>
                       </a:r>
                       <a:r>
-                        <a:rPr lang="en-US"/>
+                        <a:rPr lang="en-US" dirty="0"/>
                         <a:t>);</a:t>
                       </a:r>
                     </a:p>
                     <a:p>
                       <a:r>
-                        <a:rPr lang="en-US"/>
-                        <a:t>} </a:t>
+                        <a:rPr lang="en-US" dirty="0"/>
+                        <a:t>} </a:t>
                       </a:r>
                     </a:p>
                     <a:p>
@@ -5470,7 +5488,7 @@
                     </a:p>
                     <a:p>
                       <a:r>
-                        <a:rPr lang="en-US"/>
+                        <a:rPr lang="en-US" dirty="0"/>
                         <a:t>a()</a:t>
                       </a:r>
                     </a:p>
@@ -5482,59 +5500,59 @@
                     </a:p>
                     <a:p>
                       <a:r>
-                        <a:rPr lang="en-US"/>
+                        <a:rPr lang="en-US" dirty="0"/>
                         <a:t>let z=100;</a:t>
                       </a:r>
                     </a:p>
                     <a:p>
                       <a:r>
-                        <a:rPr lang="en-US"/>
+                        <a:rPr lang="en-US" dirty="0"/>
                         <a:t>function b1()</a:t>
                       </a:r>
                     </a:p>
                     <a:p>
                       <a:r>
-                        <a:rPr lang="en-US"/>
-                        <a:t>{  </a:t>
-                      </a:r>
-                    </a:p>
-                    <a:p>
-                      <a:r>
-                        <a:rPr lang="en-US"/>
+                        <a:rPr lang="en-US" dirty="0"/>
+                        <a:t>{  </a:t>
+                      </a:r>
+                    </a:p>
+                    <a:p>
+                      <a:r>
+                        <a:rPr lang="en-US" dirty="0"/>
                         <a:t>z=500;</a:t>
                       </a:r>
                     </a:p>
                     <a:p>
                       <a:r>
-                        <a:rPr lang="en-US"/>
+                        <a:rPr lang="en-US" dirty="0"/>
                         <a:t>console.log("in </a:t>
                       </a:r>
                       <a:r>
-                        <a:rPr lang="en-US" err="1"/>
+                        <a:rPr lang="en-US" dirty="0" err="1"/>
                         <a:t>func</a:t>
                       </a:r>
                       <a:r>
-                        <a:rPr lang="en-US"/>
+                        <a:rPr lang="en-US" dirty="0"/>
                         <a:t>"+z);</a:t>
                       </a:r>
                     </a:p>
                     <a:p>
                       <a:r>
-                        <a:rPr lang="en-US"/>
+                        <a:rPr lang="en-US" dirty="0"/>
                         <a:t>}</a:t>
                       </a:r>
                     </a:p>
                     <a:p>
                       <a:r>
-                        <a:rPr lang="en-US"/>
+                        <a:rPr lang="en-US" dirty="0"/>
                         <a:t>console.log("out </a:t>
                       </a:r>
                       <a:r>
-                        <a:rPr lang="en-US" err="1"/>
+                        <a:rPr lang="en-US" dirty="0" err="1"/>
                         <a:t>func</a:t>
                       </a:r>
                       <a:r>
-                        <a:rPr lang="en-US"/>
+                        <a:rPr lang="en-US" dirty="0"/>
                         <a:t>"+z);</a:t>
                       </a:r>
                     </a:p>
